--- a/docs/Prezentare IP .pptx
+++ b/docs/Prezentare IP .pptx
@@ -822,7 +822,7 @@
   <p:cSld>
     <p:spTree>
       <p:nvGrpSpPr>
-        <p:cNvPr id="117" name="Shape 117"/>
+        <p:cNvPr id="118" name="Shape 118"/>
         <p:cNvGrpSpPr/>
         <p:nvPr/>
       </p:nvGrpSpPr>
@@ -836,7 +836,7 @@
       </p:grpSpPr>
       <p:sp>
         <p:nvSpPr>
-          <p:cNvPr id="118" name="Google Shape;118;g2a4db0e6a84_0_16:notes"/>
+          <p:cNvPr id="119" name="Google Shape;119;g324a10803f5_0_6:notes"/>
           <p:cNvSpPr/>
           <p:nvPr>
             <p:ph idx="2" type="sldImg"/>
@@ -871,7 +871,7 @@
       </p:sp>
       <p:sp>
         <p:nvSpPr>
-          <p:cNvPr id="119" name="Google Shape;119;g2a4db0e6a84_0_16:notes"/>
+          <p:cNvPr id="120" name="Google Shape;120;g324a10803f5_0_6:notes"/>
           <p:cNvSpPr txBox="1"/>
           <p:nvPr>
             <p:ph idx="1" type="body"/>
@@ -1529,7 +1529,7 @@
       </p:grpSpPr>
       <p:sp>
         <p:nvSpPr>
-          <p:cNvPr id="105" name="Google Shape;105;g2a4d9204093_1_1616:notes"/>
+          <p:cNvPr id="105" name="Google Shape;105;g31f6fe94c0c_0_125:notes"/>
           <p:cNvSpPr/>
           <p:nvPr>
             <p:ph idx="2" type="sldImg"/>
@@ -1564,7 +1564,7 @@
       </p:sp>
       <p:sp>
         <p:nvSpPr>
-          <p:cNvPr id="106" name="Google Shape;106;g2a4d9204093_1_1616:notes"/>
+          <p:cNvPr id="106" name="Google Shape;106;g31f6fe94c0c_0_125:notes"/>
           <p:cNvSpPr txBox="1"/>
           <p:nvPr>
             <p:ph idx="1" type="body"/>
@@ -1614,7 +1614,7 @@
   <p:cSld>
     <p:spTree>
       <p:nvGrpSpPr>
-        <p:cNvPr id="110" name="Shape 110"/>
+        <p:cNvPr id="111" name="Shape 111"/>
         <p:cNvGrpSpPr/>
         <p:nvPr/>
       </p:nvGrpSpPr>
@@ -1628,7 +1628,7 @@
       </p:grpSpPr>
       <p:sp>
         <p:nvSpPr>
-          <p:cNvPr id="111" name="Google Shape;111;g31f6fe94c0c_0_125:notes"/>
+          <p:cNvPr id="112" name="Google Shape;112;g2a4db0e6a84_0_16:notes"/>
           <p:cNvSpPr/>
           <p:nvPr>
             <p:ph idx="2" type="sldImg"/>
@@ -1663,7 +1663,7 @@
       </p:sp>
       <p:sp>
         <p:nvSpPr>
-          <p:cNvPr id="112" name="Google Shape;112;g31f6fe94c0c_0_125:notes"/>
+          <p:cNvPr id="113" name="Google Shape;113;g2a4db0e6a84_0_16:notes"/>
           <p:cNvSpPr txBox="1"/>
           <p:nvPr>
             <p:ph idx="1" type="body"/>
@@ -7243,7 +7243,7 @@
   <p:cSld>
     <p:spTree>
       <p:nvGrpSpPr>
-        <p:cNvPr id="120" name="Shape 120"/>
+        <p:cNvPr id="121" name="Shape 121"/>
         <p:cNvGrpSpPr/>
         <p:nvPr/>
       </p:nvGrpSpPr>
@@ -7257,7 +7257,7 @@
       </p:grpSpPr>
       <p:sp>
         <p:nvSpPr>
-          <p:cNvPr id="121" name="Google Shape;121;p22"/>
+          <p:cNvPr id="122" name="Google Shape;122;p22"/>
           <p:cNvSpPr txBox="1"/>
           <p:nvPr>
             <p:ph type="title"/>
@@ -7265,15 +7265,15 @@
         </p:nvSpPr>
         <p:spPr>
           <a:xfrm>
-            <a:off x="311700" y="315925"/>
-            <a:ext cx="8520600" cy="831300"/>
+            <a:off x="426375" y="470725"/>
+            <a:ext cx="2749500" cy="4025400"/>
           </a:xfrm>
           <a:prstGeom prst="rect">
             <a:avLst/>
           </a:prstGeom>
         </p:spPr>
         <p:txBody>
-          <a:bodyPr anchorCtr="0" anchor="b" bIns="91425" lIns="91425" spcFirstLastPara="1" rIns="91425" wrap="square" tIns="91425">
+          <a:bodyPr anchorCtr="0" anchor="ctr" bIns="91425" lIns="91425" spcFirstLastPara="1" rIns="91425" wrap="square" tIns="91425">
             <a:normAutofit/>
           </a:bodyPr>
           <a:lstStyle/>
@@ -7288,226 +7288,204 @@
               <a:buNone/>
             </a:pPr>
             <a:r>
-              <a:rPr lang="ro"/>
-              <a:t>Concluzii</a:t>
+              <a:rPr lang="ro" sz="2000"/>
+              <a:t>Vă mulțumim!</a:t>
             </a:r>
-            <a:endParaRPr/>
+            <a:endParaRPr sz="2000"/>
+          </a:p>
+          <a:p>
+            <a:pPr indent="0" lvl="0" marL="0" rtl="0" algn="l">
+              <a:spcBef>
+                <a:spcPts val="0"/>
+              </a:spcBef>
+              <a:spcAft>
+                <a:spcPts val="0"/>
+              </a:spcAft>
+              <a:buNone/>
+            </a:pPr>
+            <a:r>
+              <a:t/>
+            </a:r>
+            <a:endParaRPr sz="2000"/>
+          </a:p>
+          <a:p>
+            <a:pPr indent="0" lvl="0" marL="0" rtl="0" algn="l">
+              <a:spcBef>
+                <a:spcPts val="0"/>
+              </a:spcBef>
+              <a:spcAft>
+                <a:spcPts val="0"/>
+              </a:spcAft>
+              <a:buNone/>
+            </a:pPr>
+            <a:r>
+              <a:rPr lang="ro" sz="2000"/>
+              <a:t>Echipa:</a:t>
+            </a:r>
+            <a:endParaRPr sz="2000"/>
+          </a:p>
+          <a:p>
+            <a:pPr indent="0" lvl="0" marL="0" rtl="0" algn="l">
+              <a:spcBef>
+                <a:spcPts val="0"/>
+              </a:spcBef>
+              <a:spcAft>
+                <a:spcPts val="0"/>
+              </a:spcAft>
+              <a:buNone/>
+            </a:pPr>
+            <a:r>
+              <a:t/>
+            </a:r>
+            <a:endParaRPr sz="2000"/>
+          </a:p>
+          <a:p>
+            <a:pPr indent="-361950" lvl="0" marL="457200" rtl="0" algn="l">
+              <a:spcBef>
+                <a:spcPts val="0"/>
+              </a:spcBef>
+              <a:spcAft>
+                <a:spcPts val="0"/>
+              </a:spcAft>
+              <a:buSzPts val="2100"/>
+              <a:buChar char="●"/>
+            </a:pPr>
+            <a:r>
+              <a:rPr lang="ro" sz="2100"/>
+              <a:t>Bancoș Gabriel</a:t>
+            </a:r>
+            <a:endParaRPr sz="2100"/>
+          </a:p>
+          <a:p>
+            <a:pPr indent="-361950" lvl="0" marL="457200" rtl="0" algn="l">
+              <a:spcBef>
+                <a:spcPts val="0"/>
+              </a:spcBef>
+              <a:spcAft>
+                <a:spcPts val="0"/>
+              </a:spcAft>
+              <a:buSzPts val="2100"/>
+              <a:buChar char="●"/>
+            </a:pPr>
+            <a:r>
+              <a:rPr lang="ro" sz="2100"/>
+              <a:t>Ciurte Iulian</a:t>
+            </a:r>
+            <a:endParaRPr sz="2100"/>
+          </a:p>
+          <a:p>
+            <a:pPr indent="-361950" lvl="0" marL="457200" rtl="0" algn="l">
+              <a:spcBef>
+                <a:spcPts val="0"/>
+              </a:spcBef>
+              <a:spcAft>
+                <a:spcPts val="0"/>
+              </a:spcAft>
+              <a:buSzPts val="2100"/>
+              <a:buChar char="●"/>
+            </a:pPr>
+            <a:r>
+              <a:rPr lang="ro" sz="2100"/>
+              <a:t>Gavriș Nicolae</a:t>
+            </a:r>
+            <a:endParaRPr sz="2100"/>
+          </a:p>
+          <a:p>
+            <a:pPr indent="-361950" lvl="0" marL="457200" rtl="0" algn="l">
+              <a:spcBef>
+                <a:spcPts val="0"/>
+              </a:spcBef>
+              <a:spcAft>
+                <a:spcPts val="0"/>
+              </a:spcAft>
+              <a:buSzPts val="2100"/>
+              <a:buChar char="●"/>
+            </a:pPr>
+            <a:r>
+              <a:rPr lang="ro" sz="2100"/>
+              <a:t>Haidu Eduard</a:t>
+            </a:r>
+            <a:endParaRPr sz="2100"/>
+          </a:p>
+          <a:p>
+            <a:pPr indent="-361950" lvl="0" marL="457200" rtl="0" algn="l">
+              <a:spcBef>
+                <a:spcPts val="0"/>
+              </a:spcBef>
+              <a:spcAft>
+                <a:spcPts val="0"/>
+              </a:spcAft>
+              <a:buSzPts val="2100"/>
+              <a:buChar char="●"/>
+            </a:pPr>
+            <a:r>
+              <a:rPr lang="ro" sz="2100"/>
+              <a:t>Mirth Kevin</a:t>
+            </a:r>
+            <a:endParaRPr sz="2100"/>
+          </a:p>
+          <a:p>
+            <a:pPr indent="-361950" lvl="0" marL="457200" rtl="0" algn="l">
+              <a:spcBef>
+                <a:spcPts val="0"/>
+              </a:spcBef>
+              <a:spcAft>
+                <a:spcPts val="0"/>
+              </a:spcAft>
+              <a:buSzPts val="2100"/>
+              <a:buChar char="●"/>
+            </a:pPr>
+            <a:r>
+              <a:rPr lang="ro" sz="2100"/>
+              <a:t>Pop Lucas</a:t>
+            </a:r>
+            <a:endParaRPr sz="2100"/>
+          </a:p>
+          <a:p>
+            <a:pPr indent="0" lvl="0" marL="457200" rtl="0" algn="l">
+              <a:spcBef>
+                <a:spcPts val="0"/>
+              </a:spcBef>
+              <a:spcAft>
+                <a:spcPts val="0"/>
+              </a:spcAft>
+              <a:buNone/>
+            </a:pPr>
+            <a:r>
+              <a:t/>
+            </a:r>
+            <a:endParaRPr sz="2000"/>
           </a:p>
         </p:txBody>
       </p:sp>
-      <p:sp>
-        <p:nvSpPr>
-          <p:cNvPr id="122" name="Google Shape;122;p22"/>
-          <p:cNvSpPr txBox="1"/>
-          <p:nvPr>
-            <p:ph idx="1" type="body"/>
-          </p:nvPr>
-        </p:nvSpPr>
+      <p:pic>
+        <p:nvPicPr>
+          <p:cNvPr id="123" name="Google Shape;123;p22"/>
+          <p:cNvPicPr preferRelativeResize="0"/>
+          <p:nvPr/>
+        </p:nvPicPr>
+        <p:blipFill>
+          <a:blip r:embed="rId3">
+            <a:alphaModFix/>
+          </a:blip>
+          <a:stretch>
+            <a:fillRect/>
+          </a:stretch>
+        </p:blipFill>
         <p:spPr>
           <a:xfrm>
-            <a:off x="311700" y="1556450"/>
-            <a:ext cx="3930900" cy="1839600"/>
+            <a:off x="3916099" y="397727"/>
+            <a:ext cx="4782825" cy="4348050"/>
           </a:xfrm>
           <a:prstGeom prst="rect">
             <a:avLst/>
           </a:prstGeom>
+          <a:noFill/>
+          <a:ln>
+            <a:noFill/>
+          </a:ln>
         </p:spPr>
-        <p:txBody>
-          <a:bodyPr anchorCtr="0" anchor="t" bIns="91425" lIns="91425" spcFirstLastPara="1" rIns="91425" wrap="square" tIns="91425">
-            <a:normAutofit lnSpcReduction="10000"/>
-          </a:bodyPr>
-          <a:lstStyle/>
-          <a:p>
-            <a:pPr indent="0" lvl="0" marL="0" rtl="0" algn="l">
-              <a:spcBef>
-                <a:spcPts val="0"/>
-              </a:spcBef>
-              <a:spcAft>
-                <a:spcPts val="0"/>
-              </a:spcAft>
-              <a:buNone/>
-            </a:pPr>
-            <a:r>
-              <a:rPr lang="ro"/>
-              <a:t>Realizări:</a:t>
-            </a:r>
-            <a:endParaRPr/>
-          </a:p>
-          <a:p>
-            <a:pPr indent="-317500" lvl="0" marL="457200" rtl="0" algn="l">
-              <a:spcBef>
-                <a:spcPts val="1200"/>
-              </a:spcBef>
-              <a:spcAft>
-                <a:spcPts val="0"/>
-              </a:spcAft>
-              <a:buSzPts val="1400"/>
-              <a:buChar char="●"/>
-            </a:pPr>
-            <a:r>
-              <a:rPr lang="ro"/>
-              <a:t>Stoc</a:t>
-            </a:r>
-            <a:endParaRPr/>
-          </a:p>
-          <a:p>
-            <a:pPr indent="-317500" lvl="0" marL="457200" rtl="0" algn="l">
-              <a:spcBef>
-                <a:spcPts val="0"/>
-              </a:spcBef>
-              <a:spcAft>
-                <a:spcPts val="0"/>
-              </a:spcAft>
-              <a:buSzPts val="1400"/>
-              <a:buChar char="●"/>
-            </a:pPr>
-            <a:r>
-              <a:rPr lang="ro"/>
-              <a:t>Program personal</a:t>
-            </a:r>
-            <a:endParaRPr/>
-          </a:p>
-          <a:p>
-            <a:pPr indent="-317500" lvl="0" marL="457200" rtl="0" algn="l">
-              <a:spcBef>
-                <a:spcPts val="0"/>
-              </a:spcBef>
-              <a:spcAft>
-                <a:spcPts val="0"/>
-              </a:spcAft>
-              <a:buSzPts val="1400"/>
-              <a:buChar char="●"/>
-            </a:pPr>
-            <a:r>
-              <a:rPr lang="ro"/>
-              <a:t>Grupuri separate</a:t>
-            </a:r>
-            <a:endParaRPr/>
-          </a:p>
-          <a:p>
-            <a:pPr indent="-317500" lvl="0" marL="457200" rtl="0" algn="l">
-              <a:spcBef>
-                <a:spcPts val="0"/>
-              </a:spcBef>
-              <a:spcAft>
-                <a:spcPts val="0"/>
-              </a:spcAft>
-              <a:buSzPts val="1400"/>
-              <a:buChar char="●"/>
-            </a:pPr>
-            <a:r>
-              <a:rPr lang="ro"/>
-              <a:t>Cereri de concediu</a:t>
-            </a:r>
-            <a:endParaRPr/>
-          </a:p>
-          <a:p>
-            <a:pPr indent="0" lvl="0" marL="0" rtl="0" algn="l">
-              <a:spcBef>
-                <a:spcPts val="1200"/>
-              </a:spcBef>
-              <a:spcAft>
-                <a:spcPts val="1200"/>
-              </a:spcAft>
-              <a:buNone/>
-            </a:pPr>
-            <a:r>
-              <a:rPr lang="ro"/>
-              <a:t> </a:t>
-            </a:r>
-            <a:endParaRPr/>
-          </a:p>
-        </p:txBody>
-      </p:sp>
-      <p:sp>
-        <p:nvSpPr>
-          <p:cNvPr id="123" name="Google Shape;123;p22"/>
-          <p:cNvSpPr txBox="1"/>
-          <p:nvPr>
-            <p:ph idx="2" type="body"/>
-          </p:nvPr>
-        </p:nvSpPr>
-        <p:spPr>
-          <a:xfrm>
-            <a:off x="4783700" y="1556450"/>
-            <a:ext cx="3999900" cy="1839600"/>
-          </a:xfrm>
-          <a:prstGeom prst="rect">
-            <a:avLst/>
-          </a:prstGeom>
-        </p:spPr>
-        <p:txBody>
-          <a:bodyPr anchorCtr="0" anchor="t" bIns="91425" lIns="91425" spcFirstLastPara="1" rIns="91425" wrap="square" tIns="91425">
-            <a:normAutofit/>
-          </a:bodyPr>
-          <a:lstStyle/>
-          <a:p>
-            <a:pPr indent="0" lvl="0" marL="0" rtl="0" algn="l">
-              <a:spcBef>
-                <a:spcPts val="0"/>
-              </a:spcBef>
-              <a:spcAft>
-                <a:spcPts val="0"/>
-              </a:spcAft>
-              <a:buNone/>
-            </a:pPr>
-            <a:r>
-              <a:rPr lang="ro"/>
-              <a:t>Cunoștințe noi </a:t>
-            </a:r>
-            <a:endParaRPr/>
-          </a:p>
-          <a:p>
-            <a:pPr indent="-317500" lvl="0" marL="457200" rtl="0" algn="l">
-              <a:spcBef>
-                <a:spcPts val="1200"/>
-              </a:spcBef>
-              <a:spcAft>
-                <a:spcPts val="0"/>
-              </a:spcAft>
-              <a:buSzPts val="1400"/>
-              <a:buChar char="●"/>
-            </a:pPr>
-            <a:r>
-              <a:rPr lang="ro"/>
-              <a:t>învățarea unui nou limbaj de programare (PHP)</a:t>
-            </a:r>
-            <a:endParaRPr/>
-          </a:p>
-          <a:p>
-            <a:pPr indent="-317500" lvl="0" marL="457200" rtl="0" algn="l">
-              <a:spcBef>
-                <a:spcPts val="0"/>
-              </a:spcBef>
-              <a:spcAft>
-                <a:spcPts val="0"/>
-              </a:spcAft>
-              <a:buSzPts val="1400"/>
-              <a:buChar char="●"/>
-            </a:pPr>
-            <a:r>
-              <a:rPr lang="ro"/>
-              <a:t>lucrul în echipă la proiecte mari </a:t>
-            </a:r>
-            <a:endParaRPr/>
-          </a:p>
-          <a:p>
-            <a:pPr indent="0" lvl="0" marL="457200" rtl="0" algn="l">
-              <a:spcBef>
-                <a:spcPts val="1200"/>
-              </a:spcBef>
-              <a:spcAft>
-                <a:spcPts val="1200"/>
-              </a:spcAft>
-              <a:buNone/>
-            </a:pPr>
-            <a:r>
-              <a:t/>
-            </a:r>
-            <a:endParaRPr/>
-          </a:p>
-        </p:txBody>
-      </p:sp>
+      </p:pic>
     </p:spTree>
   </p:cSld>
   <p:clrMapOvr>
@@ -8455,99 +8433,6 @@
         </p:nvSpPr>
         <p:spPr>
           <a:xfrm>
-            <a:off x="81425" y="158925"/>
-            <a:ext cx="8520600" cy="831300"/>
-          </a:xfrm>
-          <a:prstGeom prst="rect">
-            <a:avLst/>
-          </a:prstGeom>
-        </p:spPr>
-        <p:txBody>
-          <a:bodyPr anchorCtr="0" anchor="b" bIns="91425" lIns="91425" spcFirstLastPara="1" rIns="91425" wrap="square" tIns="91425">
-            <a:normAutofit/>
-          </a:bodyPr>
-          <a:lstStyle/>
-          <a:p>
-            <a:pPr indent="0" lvl="0" marL="0" rtl="0" algn="l">
-              <a:spcBef>
-                <a:spcPts val="0"/>
-              </a:spcBef>
-              <a:spcAft>
-                <a:spcPts val="0"/>
-              </a:spcAft>
-              <a:buNone/>
-            </a:pPr>
-            <a:r>
-              <a:rPr lang="ro"/>
-              <a:t>Contribuții </a:t>
-            </a:r>
-            <a:endParaRPr/>
-          </a:p>
-        </p:txBody>
-      </p:sp>
-      <p:pic>
-        <p:nvPicPr>
-          <p:cNvPr id="109" name="Google Shape;109;p20"/>
-          <p:cNvPicPr preferRelativeResize="0"/>
-          <p:nvPr/>
-        </p:nvPicPr>
-        <p:blipFill>
-          <a:blip r:embed="rId3">
-            <a:alphaModFix/>
-          </a:blip>
-          <a:stretch>
-            <a:fillRect/>
-          </a:stretch>
-        </p:blipFill>
-        <p:spPr>
-          <a:xfrm>
-            <a:off x="2225063" y="1050850"/>
-            <a:ext cx="4233323" cy="3848475"/>
-          </a:xfrm>
-          <a:prstGeom prst="rect">
-            <a:avLst/>
-          </a:prstGeom>
-          <a:noFill/>
-          <a:ln>
-            <a:noFill/>
-          </a:ln>
-        </p:spPr>
-      </p:pic>
-    </p:spTree>
-  </p:cSld>
-  <p:clrMapOvr>
-    <a:masterClrMapping/>
-  </p:clrMapOvr>
-</p:sld>
-</file>
-
-<file path=ppt/slides/slide9.xml><?xml version="1.0" encoding="utf-8"?>
-<p:sld xmlns:a="http://schemas.openxmlformats.org/drawingml/2006/main" xmlns:r="http://schemas.openxmlformats.org/officeDocument/2006/relationships" xmlns:mc="http://schemas.openxmlformats.org/markup-compatibility/2006" xmlns:mv="urn:schemas-microsoft-com:mac:vml" xmlns:p="http://schemas.openxmlformats.org/presentationml/2006/main" xmlns:c="http://schemas.openxmlformats.org/drawingml/2006/chart" xmlns:dgm="http://schemas.openxmlformats.org/drawingml/2006/diagram" xmlns:o="urn:schemas-microsoft-com:office:office" xmlns:v="urn:schemas-microsoft-com:vml" xmlns:pvml="urn:schemas-microsoft-com:office:powerpoint" xmlns:com="http://schemas.openxmlformats.org/drawingml/2006/compatibility" xmlns:p14="http://schemas.microsoft.com/office/powerpoint/2010/main" xmlns:p15="http://schemas.microsoft.com/office/powerpoint/2012/main" xmlns:ahyp="http://schemas.microsoft.com/office/drawing/2018/hyperlinkcolor">
-  <p:cSld>
-    <p:spTree>
-      <p:nvGrpSpPr>
-        <p:cNvPr id="113" name="Shape 113"/>
-        <p:cNvGrpSpPr/>
-        <p:nvPr/>
-      </p:nvGrpSpPr>
-      <p:grpSpPr>
-        <a:xfrm>
-          <a:off x="0" y="0"/>
-          <a:ext cx="0" cy="0"/>
-          <a:chOff x="0" y="0"/>
-          <a:chExt cx="0" cy="0"/>
-        </a:xfrm>
-      </p:grpSpPr>
-      <p:sp>
-        <p:nvSpPr>
-          <p:cNvPr id="114" name="Google Shape;114;p21"/>
-          <p:cNvSpPr txBox="1"/>
-          <p:nvPr>
-            <p:ph type="title"/>
-          </p:nvPr>
-        </p:nvSpPr>
-        <p:spPr>
-          <a:xfrm>
             <a:off x="311700" y="315925"/>
             <a:ext cx="8520600" cy="831300"/>
           </a:xfrm>
@@ -8580,7 +8465,7 @@
       </p:sp>
       <p:pic>
         <p:nvPicPr>
-          <p:cNvPr id="115" name="Google Shape;115;p21"/>
+          <p:cNvPr id="109" name="Google Shape;109;p20"/>
           <p:cNvPicPr preferRelativeResize="0"/>
           <p:nvPr/>
         </p:nvPicPr>
@@ -8608,7 +8493,7 @@
       </p:pic>
       <p:pic>
         <p:nvPicPr>
-          <p:cNvPr id="116" name="Google Shape;116;p21"/>
+          <p:cNvPr id="110" name="Google Shape;110;p20"/>
           <p:cNvPicPr preferRelativeResize="0"/>
           <p:nvPr/>
         </p:nvPicPr>
@@ -8634,6 +8519,284 @@
           </a:ln>
         </p:spPr>
       </p:pic>
+    </p:spTree>
+  </p:cSld>
+  <p:clrMapOvr>
+    <a:masterClrMapping/>
+  </p:clrMapOvr>
+</p:sld>
+</file>
+
+<file path=ppt/slides/slide9.xml><?xml version="1.0" encoding="utf-8"?>
+<p:sld xmlns:a="http://schemas.openxmlformats.org/drawingml/2006/main" xmlns:r="http://schemas.openxmlformats.org/officeDocument/2006/relationships" xmlns:mc="http://schemas.openxmlformats.org/markup-compatibility/2006" xmlns:mv="urn:schemas-microsoft-com:mac:vml" xmlns:p="http://schemas.openxmlformats.org/presentationml/2006/main" xmlns:c="http://schemas.openxmlformats.org/drawingml/2006/chart" xmlns:dgm="http://schemas.openxmlformats.org/drawingml/2006/diagram" xmlns:o="urn:schemas-microsoft-com:office:office" xmlns:v="urn:schemas-microsoft-com:vml" xmlns:pvml="urn:schemas-microsoft-com:office:powerpoint" xmlns:com="http://schemas.openxmlformats.org/drawingml/2006/compatibility" xmlns:p14="http://schemas.microsoft.com/office/powerpoint/2010/main" xmlns:p15="http://schemas.microsoft.com/office/powerpoint/2012/main" xmlns:ahyp="http://schemas.microsoft.com/office/drawing/2018/hyperlinkcolor">
+  <p:cSld>
+    <p:spTree>
+      <p:nvGrpSpPr>
+        <p:cNvPr id="114" name="Shape 114"/>
+        <p:cNvGrpSpPr/>
+        <p:nvPr/>
+      </p:nvGrpSpPr>
+      <p:grpSpPr>
+        <a:xfrm>
+          <a:off x="0" y="0"/>
+          <a:ext cx="0" cy="0"/>
+          <a:chOff x="0" y="0"/>
+          <a:chExt cx="0" cy="0"/>
+        </a:xfrm>
+      </p:grpSpPr>
+      <p:sp>
+        <p:nvSpPr>
+          <p:cNvPr id="115" name="Google Shape;115;p21"/>
+          <p:cNvSpPr txBox="1"/>
+          <p:nvPr>
+            <p:ph type="title"/>
+          </p:nvPr>
+        </p:nvSpPr>
+        <p:spPr>
+          <a:xfrm>
+            <a:off x="311700" y="315925"/>
+            <a:ext cx="8520600" cy="831300"/>
+          </a:xfrm>
+          <a:prstGeom prst="rect">
+            <a:avLst/>
+          </a:prstGeom>
+        </p:spPr>
+        <p:txBody>
+          <a:bodyPr anchorCtr="0" anchor="b" bIns="91425" lIns="91425" spcFirstLastPara="1" rIns="91425" wrap="square" tIns="91425">
+            <a:normAutofit/>
+          </a:bodyPr>
+          <a:lstStyle/>
+          <a:p>
+            <a:pPr indent="0" lvl="0" marL="0" rtl="0" algn="l">
+              <a:spcBef>
+                <a:spcPts val="0"/>
+              </a:spcBef>
+              <a:spcAft>
+                <a:spcPts val="0"/>
+              </a:spcAft>
+              <a:buNone/>
+            </a:pPr>
+            <a:r>
+              <a:rPr lang="ro"/>
+              <a:t>Concluzii</a:t>
+            </a:r>
+            <a:endParaRPr/>
+          </a:p>
+        </p:txBody>
+      </p:sp>
+      <p:sp>
+        <p:nvSpPr>
+          <p:cNvPr id="116" name="Google Shape;116;p21"/>
+          <p:cNvSpPr txBox="1"/>
+          <p:nvPr>
+            <p:ph idx="1" type="body"/>
+          </p:nvPr>
+        </p:nvSpPr>
+        <p:spPr>
+          <a:xfrm>
+            <a:off x="311700" y="1556450"/>
+            <a:ext cx="3930900" cy="1839600"/>
+          </a:xfrm>
+          <a:prstGeom prst="rect">
+            <a:avLst/>
+          </a:prstGeom>
+        </p:spPr>
+        <p:txBody>
+          <a:bodyPr anchorCtr="0" anchor="t" bIns="91425" lIns="91425" spcFirstLastPara="1" rIns="91425" wrap="square" tIns="91425">
+            <a:normAutofit lnSpcReduction="10000"/>
+          </a:bodyPr>
+          <a:lstStyle/>
+          <a:p>
+            <a:pPr indent="0" lvl="0" marL="0" rtl="0" algn="l">
+              <a:spcBef>
+                <a:spcPts val="0"/>
+              </a:spcBef>
+              <a:spcAft>
+                <a:spcPts val="0"/>
+              </a:spcAft>
+              <a:buNone/>
+            </a:pPr>
+            <a:r>
+              <a:rPr lang="ro"/>
+              <a:t>Realizări:</a:t>
+            </a:r>
+            <a:endParaRPr/>
+          </a:p>
+          <a:p>
+            <a:pPr indent="-317500" lvl="0" marL="457200" rtl="0" algn="l">
+              <a:spcBef>
+                <a:spcPts val="1200"/>
+              </a:spcBef>
+              <a:spcAft>
+                <a:spcPts val="0"/>
+              </a:spcAft>
+              <a:buSzPts val="1400"/>
+              <a:buChar char="●"/>
+            </a:pPr>
+            <a:r>
+              <a:rPr lang="ro"/>
+              <a:t>Stoc</a:t>
+            </a:r>
+            <a:endParaRPr/>
+          </a:p>
+          <a:p>
+            <a:pPr indent="-317500" lvl="0" marL="457200" rtl="0" algn="l">
+              <a:spcBef>
+                <a:spcPts val="0"/>
+              </a:spcBef>
+              <a:spcAft>
+                <a:spcPts val="0"/>
+              </a:spcAft>
+              <a:buSzPts val="1400"/>
+              <a:buChar char="●"/>
+            </a:pPr>
+            <a:r>
+              <a:rPr lang="ro"/>
+              <a:t>Program personal</a:t>
+            </a:r>
+            <a:endParaRPr/>
+          </a:p>
+          <a:p>
+            <a:pPr indent="-317500" lvl="0" marL="457200" rtl="0" algn="l">
+              <a:spcBef>
+                <a:spcPts val="0"/>
+              </a:spcBef>
+              <a:spcAft>
+                <a:spcPts val="0"/>
+              </a:spcAft>
+              <a:buSzPts val="1400"/>
+              <a:buChar char="●"/>
+            </a:pPr>
+            <a:r>
+              <a:rPr lang="ro"/>
+              <a:t>Grupuri separate</a:t>
+            </a:r>
+            <a:endParaRPr/>
+          </a:p>
+          <a:p>
+            <a:pPr indent="-317500" lvl="0" marL="457200" rtl="0" algn="l">
+              <a:spcBef>
+                <a:spcPts val="0"/>
+              </a:spcBef>
+              <a:spcAft>
+                <a:spcPts val="0"/>
+              </a:spcAft>
+              <a:buSzPts val="1400"/>
+              <a:buChar char="●"/>
+            </a:pPr>
+            <a:r>
+              <a:rPr lang="ro"/>
+              <a:t>Cereri de concediu</a:t>
+            </a:r>
+            <a:endParaRPr/>
+          </a:p>
+          <a:p>
+            <a:pPr indent="0" lvl="0" marL="0" rtl="0" algn="l">
+              <a:spcBef>
+                <a:spcPts val="1200"/>
+              </a:spcBef>
+              <a:spcAft>
+                <a:spcPts val="1200"/>
+              </a:spcAft>
+              <a:buNone/>
+            </a:pPr>
+            <a:r>
+              <a:rPr lang="ro"/>
+              <a:t> </a:t>
+            </a:r>
+            <a:endParaRPr/>
+          </a:p>
+        </p:txBody>
+      </p:sp>
+      <p:sp>
+        <p:nvSpPr>
+          <p:cNvPr id="117" name="Google Shape;117;p21"/>
+          <p:cNvSpPr txBox="1"/>
+          <p:nvPr>
+            <p:ph idx="2" type="body"/>
+          </p:nvPr>
+        </p:nvSpPr>
+        <p:spPr>
+          <a:xfrm>
+            <a:off x="4783700" y="1556450"/>
+            <a:ext cx="3999900" cy="1839600"/>
+          </a:xfrm>
+          <a:prstGeom prst="rect">
+            <a:avLst/>
+          </a:prstGeom>
+        </p:spPr>
+        <p:txBody>
+          <a:bodyPr anchorCtr="0" anchor="t" bIns="91425" lIns="91425" spcFirstLastPara="1" rIns="91425" wrap="square" tIns="91425">
+            <a:normAutofit/>
+          </a:bodyPr>
+          <a:lstStyle/>
+          <a:p>
+            <a:pPr indent="0" lvl="0" marL="0" rtl="0" algn="l">
+              <a:spcBef>
+                <a:spcPts val="0"/>
+              </a:spcBef>
+              <a:spcAft>
+                <a:spcPts val="0"/>
+              </a:spcAft>
+              <a:buNone/>
+            </a:pPr>
+            <a:r>
+              <a:rPr lang="ro"/>
+              <a:t>Cunoștințe noi </a:t>
+            </a:r>
+            <a:endParaRPr/>
+          </a:p>
+          <a:p>
+            <a:pPr indent="-317500" lvl="0" marL="457200" rtl="0" algn="l">
+              <a:spcBef>
+                <a:spcPts val="1200"/>
+              </a:spcBef>
+              <a:spcAft>
+                <a:spcPts val="0"/>
+              </a:spcAft>
+              <a:buSzPts val="1400"/>
+              <a:buChar char="●"/>
+            </a:pPr>
+            <a:r>
+              <a:rPr lang="ro"/>
+              <a:t>învățarea unui nou limbaj de programare (PHP)</a:t>
+            </a:r>
+            <a:endParaRPr/>
+          </a:p>
+          <a:p>
+            <a:pPr indent="-317500" lvl="0" marL="457200" rtl="0" algn="l">
+              <a:spcBef>
+                <a:spcPts val="0"/>
+              </a:spcBef>
+              <a:spcAft>
+                <a:spcPts val="0"/>
+              </a:spcAft>
+              <a:buSzPts val="1400"/>
+              <a:buChar char="●"/>
+            </a:pPr>
+            <a:r>
+              <a:rPr lang="ro"/>
+              <a:t>lucrul în echipă la proiecte mari </a:t>
+            </a:r>
+            <a:endParaRPr/>
+          </a:p>
+          <a:p>
+            <a:pPr indent="0" lvl="0" marL="457200" rtl="0" algn="l">
+              <a:spcBef>
+                <a:spcPts val="1200"/>
+              </a:spcBef>
+              <a:spcAft>
+                <a:spcPts val="1200"/>
+              </a:spcAft>
+              <a:buNone/>
+            </a:pPr>
+            <a:r>
+              <a:t/>
+            </a:r>
+            <a:endParaRPr/>
+          </a:p>
+        </p:txBody>
+      </p:sp>
     </p:spTree>
   </p:cSld>
   <p:clrMapOvr>
